--- a/Detecting_Human_Activities_Through_Phone_Watch_Sensor.pptx
+++ b/Detecting_Human_Activities_Through_Phone_Watch_Sensor.pptx
@@ -238,7 +238,7 @@
           <a:p>
             <a:fld id="{91D0B005-AE3F-4DA2-9559-980D1360C114}" type="datetimeFigureOut">
               <a:rPr lang="en-SG" smtClean="0"/>
-              <a:t>4/12/2024</a:t>
+              <a:t>5/12/2024</a:t>
             </a:fld>
             <a:endParaRPr lang="en-SG"/>
           </a:p>
@@ -415,7 +415,7 @@
           <a:p>
             <a:fld id="{AEA0547B-158A-49BE-8714-80B0BEEFC392}" type="datetimeFigureOut">
               <a:rPr lang="en-SG" smtClean="0"/>
-              <a:t>4/12/2024</a:t>
+              <a:t>5/12/2024</a:t>
             </a:fld>
             <a:endParaRPr lang="en-SG"/>
           </a:p>
@@ -6202,31 +6202,6 @@
       </p:sp>
       <p:sp>
         <p:nvSpPr>
-          <p:cNvPr id="4" name="Text Placeholder 3">
-            <a:extLst>
-              <a:ext uri="{FF2B5EF4-FFF2-40B4-BE49-F238E27FC236}">
-                <a16:creationId xmlns:a16="http://schemas.microsoft.com/office/drawing/2014/main" id="{295B5A08-F94F-3E55-9EDE-DB3FC10A2E28}"/>
-              </a:ext>
-            </a:extLst>
-          </p:cNvPr>
-          <p:cNvSpPr>
-            <a:spLocks noGrp="1"/>
-          </p:cNvSpPr>
-          <p:nvPr>
-            <p:ph type="body" sz="half" idx="2"/>
-          </p:nvPr>
-        </p:nvSpPr>
-        <p:spPr/>
-        <p:txBody>
-          <a:bodyPr/>
-          <a:lstStyle/>
-          <a:p>
-            <a:endParaRPr lang="en-IO"/>
-          </a:p>
-        </p:txBody>
-      </p:sp>
-      <p:sp>
-        <p:nvSpPr>
           <p:cNvPr id="5" name="Footer Placeholder 4">
             <a:extLst>
               <a:ext uri="{FF2B5EF4-FFF2-40B4-BE49-F238E27FC236}">
@@ -6788,31 +6763,6 @@
       </p:sp>
       <p:sp>
         <p:nvSpPr>
-          <p:cNvPr id="4" name="Text Placeholder 3">
-            <a:extLst>
-              <a:ext uri="{FF2B5EF4-FFF2-40B4-BE49-F238E27FC236}">
-                <a16:creationId xmlns:a16="http://schemas.microsoft.com/office/drawing/2014/main" id="{AAAB6EE5-C3F9-F5CE-11FC-8286C1E14ADF}"/>
-              </a:ext>
-            </a:extLst>
-          </p:cNvPr>
-          <p:cNvSpPr>
-            <a:spLocks noGrp="1"/>
-          </p:cNvSpPr>
-          <p:nvPr>
-            <p:ph type="body" sz="half" idx="2"/>
-          </p:nvPr>
-        </p:nvSpPr>
-        <p:spPr/>
-        <p:txBody>
-          <a:bodyPr/>
-          <a:lstStyle/>
-          <a:p>
-            <a:endParaRPr lang="en-IO"/>
-          </a:p>
-        </p:txBody>
-      </p:sp>
-      <p:sp>
-        <p:nvSpPr>
           <p:cNvPr id="5" name="Footer Placeholder 4">
             <a:extLst>
               <a:ext uri="{FF2B5EF4-FFF2-40B4-BE49-F238E27FC236}">
@@ -7364,31 +7314,6 @@
                 <a:schemeClr val="bg1"/>
               </a:solidFill>
             </a:endParaRPr>
-          </a:p>
-        </p:txBody>
-      </p:sp>
-      <p:sp>
-        <p:nvSpPr>
-          <p:cNvPr id="4" name="Text Placeholder 3">
-            <a:extLst>
-              <a:ext uri="{FF2B5EF4-FFF2-40B4-BE49-F238E27FC236}">
-                <a16:creationId xmlns:a16="http://schemas.microsoft.com/office/drawing/2014/main" id="{3686294D-317B-1062-9E6A-37ED11AC9DA6}"/>
-              </a:ext>
-            </a:extLst>
-          </p:cNvPr>
-          <p:cNvSpPr>
-            <a:spLocks noGrp="1"/>
-          </p:cNvSpPr>
-          <p:nvPr>
-            <p:ph type="body" sz="half" idx="2"/>
-          </p:nvPr>
-        </p:nvSpPr>
-        <p:spPr/>
-        <p:txBody>
-          <a:bodyPr/>
-          <a:lstStyle/>
-          <a:p>
-            <a:endParaRPr lang="en-IO"/>
           </a:p>
         </p:txBody>
       </p:sp>
@@ -8256,14 +8181,14 @@
           <p:nvPr>
             <p:extLst>
               <p:ext uri="{D42A27DB-BD31-4B8C-83A1-F6EECF244321}">
-                <p14:modId xmlns:p14="http://schemas.microsoft.com/office/powerpoint/2010/main" val="3724455792"/>
+                <p14:modId xmlns:p14="http://schemas.microsoft.com/office/powerpoint/2010/main" val="1011251536"/>
               </p:ext>
             </p:extLst>
           </p:nvPr>
         </p:nvGraphicFramePr>
         <p:xfrm>
           <a:off x="-13446" y="-12952"/>
-          <a:ext cx="12003744" cy="7423263"/>
+          <a:ext cx="12003744" cy="7560423"/>
         </p:xfrm>
         <a:graphic>
           <a:graphicData uri="http://schemas.openxmlformats.org/drawingml/2006/table">
@@ -9166,6 +9091,7 @@
                       </a:endParaRPr>
                     </a:p>
                     <a:p>
+                      <a:pPr marL="0" algn="l" defTabSz="914400" rtl="0" eaLnBrk="1" latinLnBrk="0" hangingPunct="1"/>
                       <a:r>
                         <a:rPr lang="en-US" sz="850" kern="1200" dirty="0">
                           <a:solidFill>
@@ -9507,9 +9433,9 @@
                       </a:endParaRPr>
                     </a:p>
                     <a:p>
-                      <a:pPr algn="l"/>
+                      <a:pPr marL="0" algn="l" defTabSz="914400" rtl="0" eaLnBrk="1" latinLnBrk="0" hangingPunct="1"/>
                       <a:r>
-                        <a:rPr lang="en-US" sz="850" b="1" kern="1200" dirty="0">
+                        <a:rPr lang="en-US" sz="850" kern="1200" dirty="0">
                           <a:solidFill>
                             <a:schemeClr val="accent1">
                               <a:lumMod val="75000"/>
@@ -9519,10 +9445,13 @@
                           <a:ea typeface="+mn-ea"/>
                           <a:cs typeface="Arial" panose="020B0604020202020204" pitchFamily="34" charset="0"/>
                         </a:rPr>
-                        <a:t>Accuracy</a:t>
+                        <a:t>Accuracy: Ensure correct activity classification; a drop may indicate misclassification due to sensor noise.</a:t>
                       </a:r>
+                    </a:p>
+                    <a:p>
+                      <a:pPr marL="0" algn="l" defTabSz="914400" rtl="0" eaLnBrk="1" latinLnBrk="0" hangingPunct="1"/>
                       <a:r>
-                        <a:rPr lang="en-US" sz="850" b="0" kern="1200" dirty="0">
+                        <a:rPr lang="en-US" sz="850" kern="1200" dirty="0">
                           <a:solidFill>
                             <a:schemeClr val="accent1">
                               <a:lumMod val="75000"/>
@@ -9532,13 +9461,13 @@
                           <a:ea typeface="+mn-ea"/>
                           <a:cs typeface="Arial" panose="020B0604020202020204" pitchFamily="34" charset="0"/>
                         </a:rPr>
-                        <a:t>: Ensure correct activity classification; a drop may indicate misclassification due to sensor noise.</a:t>
+                        <a:t>Precision and Recall: Validate precision for activities with similar patterns and recall for critical activities</a:t>
                       </a:r>
                     </a:p>
                     <a:p>
-                      <a:pPr algn="l"/>
+                      <a:pPr marL="0" algn="l" defTabSz="914400" rtl="0" eaLnBrk="1" latinLnBrk="0" hangingPunct="1"/>
                       <a:r>
-                        <a:rPr lang="en-US" sz="850" b="1" kern="1200" dirty="0">
+                        <a:rPr lang="en-US" sz="850" kern="1200" dirty="0">
                           <a:solidFill>
                             <a:schemeClr val="accent1">
                               <a:lumMod val="75000"/>
@@ -9548,10 +9477,13 @@
                           <a:ea typeface="+mn-ea"/>
                           <a:cs typeface="Arial" panose="020B0604020202020204" pitchFamily="34" charset="0"/>
                         </a:rPr>
-                        <a:t>Precision and Recall</a:t>
+                        <a:t>F1-Score: Assess overall balance between precision and recall.</a:t>
                       </a:r>
+                    </a:p>
+                    <a:p>
+                      <a:pPr marL="0" algn="l" defTabSz="914400" rtl="0" eaLnBrk="1" latinLnBrk="0" hangingPunct="1"/>
                       <a:r>
-                        <a:rPr lang="en-US" sz="850" b="0" kern="1200" dirty="0">
+                        <a:rPr lang="en-US" sz="850" kern="1200" dirty="0">
                           <a:solidFill>
                             <a:schemeClr val="accent1">
                               <a:lumMod val="75000"/>
@@ -9561,70 +9493,12 @@
                           <a:ea typeface="+mn-ea"/>
                           <a:cs typeface="Arial" panose="020B0604020202020204" pitchFamily="34" charset="0"/>
                         </a:rPr>
-                        <a:t>: Validate precision for activities with similar patterns and recall for critical activities</a:t>
+                        <a:t>Confusion Matrix: Analyze misclassifications to identify commonly confused activities (e.g., walking vs. jogging).</a:t>
                       </a:r>
                     </a:p>
                     <a:p>
-                      <a:pPr algn="l"/>
-                      <a:r>
-                        <a:rPr lang="en-US" sz="850" b="1" kern="1200" dirty="0">
-                          <a:solidFill>
-                            <a:schemeClr val="accent1">
-                              <a:lumMod val="75000"/>
-                            </a:schemeClr>
-                          </a:solidFill>
-                          <a:latin typeface="Arial" panose="020B0604020202020204" pitchFamily="34" charset="0"/>
-                          <a:ea typeface="+mn-ea"/>
-                          <a:cs typeface="Arial" panose="020B0604020202020204" pitchFamily="34" charset="0"/>
-                        </a:rPr>
-                        <a:t>F1-Score</a:t>
-                      </a:r>
-                      <a:r>
-                        <a:rPr lang="en-US" sz="850" b="0" kern="1200" dirty="0">
-                          <a:solidFill>
-                            <a:schemeClr val="accent1">
-                              <a:lumMod val="75000"/>
-                            </a:schemeClr>
-                          </a:solidFill>
-                          <a:latin typeface="Arial" panose="020B0604020202020204" pitchFamily="34" charset="0"/>
-                          <a:ea typeface="+mn-ea"/>
-                          <a:cs typeface="Arial" panose="020B0604020202020204" pitchFamily="34" charset="0"/>
-                        </a:rPr>
-                        <a:t>: Assess overall balance between precision and recall.</a:t>
-                      </a:r>
-                    </a:p>
-                    <a:p>
-                      <a:pPr algn="l"/>
-                      <a:r>
-                        <a:rPr lang="en-US" sz="850" b="1" kern="1200" dirty="0">
-                          <a:solidFill>
-                            <a:schemeClr val="accent1">
-                              <a:lumMod val="75000"/>
-                            </a:schemeClr>
-                          </a:solidFill>
-                          <a:latin typeface="Arial" panose="020B0604020202020204" pitchFamily="34" charset="0"/>
-                          <a:ea typeface="+mn-ea"/>
-                          <a:cs typeface="Arial" panose="020B0604020202020204" pitchFamily="34" charset="0"/>
-                        </a:rPr>
-                        <a:t>Confusion Matrix</a:t>
-                      </a:r>
-                      <a:r>
-                        <a:rPr lang="en-US" sz="850" b="0" kern="1200" dirty="0">
-                          <a:solidFill>
-                            <a:schemeClr val="accent1">
-                              <a:lumMod val="75000"/>
-                            </a:schemeClr>
-                          </a:solidFill>
-                          <a:latin typeface="Arial" panose="020B0604020202020204" pitchFamily="34" charset="0"/>
-                          <a:ea typeface="+mn-ea"/>
-                          <a:cs typeface="Arial" panose="020B0604020202020204" pitchFamily="34" charset="0"/>
-                        </a:rPr>
-                        <a:t>: Analyze misclassifications to identify commonly confused activities (e.g., walking vs. jogging).</a:t>
-                      </a:r>
-                    </a:p>
-                    <a:p>
-                      <a:pPr algn="l"/>
-                      <a:endParaRPr lang="en-US" sz="850" b="0" kern="1200" dirty="0">
+                      <a:pPr marL="0" algn="l" defTabSz="914400" rtl="0" eaLnBrk="1" latinLnBrk="0" hangingPunct="1"/>
+                      <a:endParaRPr lang="en-US" sz="850" kern="1200" dirty="0">
                         <a:solidFill>
                           <a:schemeClr val="accent1">
                             <a:lumMod val="75000"/>
@@ -9636,9 +9510,9 @@
                       </a:endParaRPr>
                     </a:p>
                     <a:p>
-                      <a:pPr algn="l"/>
+                      <a:pPr marL="0" algn="l" defTabSz="914400" rtl="0" eaLnBrk="1" latinLnBrk="0" hangingPunct="1"/>
                       <a:r>
-                        <a:rPr lang="en-US" sz="850" b="0" kern="1200" dirty="0">
+                        <a:rPr lang="en-US" sz="850" kern="1200" dirty="0">
                           <a:solidFill>
                             <a:schemeClr val="accent1">
                               <a:lumMod val="75000"/>
@@ -9652,9 +9526,9 @@
                       </a:r>
                     </a:p>
                     <a:p>
-                      <a:pPr algn="l"/>
+                      <a:pPr marL="0" algn="l" defTabSz="914400" rtl="0" eaLnBrk="1" latinLnBrk="0" hangingPunct="1"/>
                       <a:r>
-                        <a:rPr lang="en-US" sz="850" b="0" kern="1200" dirty="0">
+                        <a:rPr lang="en-US" sz="850" kern="1200" dirty="0">
                           <a:solidFill>
                             <a:schemeClr val="accent1">
                               <a:lumMod val="75000"/>
@@ -9741,7 +9615,7 @@
                     <a:p>
                       <a:pPr marL="0" algn="l" defTabSz="914400" rtl="0" eaLnBrk="1" latinLnBrk="0" hangingPunct="1"/>
                       <a:r>
-                        <a:rPr lang="en-US" sz="850" b="0" kern="1200" dirty="0">
+                        <a:rPr lang="en-US" sz="850" kern="1200" dirty="0">
                           <a:solidFill>
                             <a:schemeClr val="accent1">
                               <a:lumMod val="75000"/>
@@ -9757,7 +9631,7 @@
                     <a:p>
                       <a:pPr marL="0" algn="l" defTabSz="914400" rtl="0" eaLnBrk="1" latinLnBrk="0" hangingPunct="1"/>
                       <a:r>
-                        <a:rPr lang="en-US" sz="850" b="1" kern="1200" dirty="0">
+                        <a:rPr lang="en-US" sz="850" kern="1200" dirty="0">
                           <a:solidFill>
                             <a:schemeClr val="accent1">
                               <a:lumMod val="75000"/>
@@ -9767,26 +9641,13 @@
                           <a:ea typeface="+mn-ea"/>
                           <a:cs typeface="Arial" panose="020B0604020202020204" pitchFamily="34" charset="0"/>
                         </a:rPr>
-                        <a:t>Clarity</a:t>
-                      </a:r>
-                      <a:r>
-                        <a:rPr lang="en-US" sz="850" b="0" kern="1200" dirty="0">
-                          <a:solidFill>
-                            <a:schemeClr val="accent1">
-                              <a:lumMod val="75000"/>
-                            </a:schemeClr>
-                          </a:solidFill>
-                          <a:latin typeface="Arial" panose="020B0604020202020204" pitchFamily="34" charset="0"/>
-                          <a:ea typeface="+mn-ea"/>
-                          <a:cs typeface="Arial" panose="020B0604020202020204" pitchFamily="34" charset="0"/>
-                        </a:rPr>
-                        <a:t>: Simplify technical terms for non-technical audiences.</a:t>
+                        <a:t>Clarity: Simplify technical terms for non-technical audiences.</a:t>
                       </a:r>
                     </a:p>
                     <a:p>
                       <a:pPr marL="0" algn="l" defTabSz="914400" rtl="0" eaLnBrk="1" latinLnBrk="0" hangingPunct="1"/>
                       <a:r>
-                        <a:rPr lang="en-US" sz="850" b="1" kern="1200" dirty="0">
+                        <a:rPr lang="en-US" sz="850" kern="1200" dirty="0">
                           <a:solidFill>
                             <a:schemeClr val="accent1">
                               <a:lumMod val="75000"/>
@@ -9796,26 +9657,13 @@
                           <a:ea typeface="+mn-ea"/>
                           <a:cs typeface="Arial" panose="020B0604020202020204" pitchFamily="34" charset="0"/>
                         </a:rPr>
-                        <a:t>Relevance</a:t>
-                      </a:r>
-                      <a:r>
-                        <a:rPr lang="en-US" sz="850" b="0" kern="1200" dirty="0">
-                          <a:solidFill>
-                            <a:schemeClr val="accent1">
-                              <a:lumMod val="75000"/>
-                            </a:schemeClr>
-                          </a:solidFill>
-                          <a:latin typeface="Arial" panose="020B0604020202020204" pitchFamily="34" charset="0"/>
-                          <a:ea typeface="+mn-ea"/>
-                          <a:cs typeface="Arial" panose="020B0604020202020204" pitchFamily="34" charset="0"/>
-                        </a:rPr>
-                        <a:t>: Focus on key activities and metrics that align with their goals (e.g., health tracking or app optimization).</a:t>
+                        <a:t>Relevance: Focus on key activities and metrics that align with their goals (e.g., health tracking or app optimization).</a:t>
                       </a:r>
                     </a:p>
                     <a:p>
                       <a:pPr marL="0" algn="l" defTabSz="914400" rtl="0" eaLnBrk="1" latinLnBrk="0" hangingPunct="1"/>
                       <a:r>
-                        <a:rPr lang="en-US" sz="850" b="1" kern="1200" dirty="0">
+                        <a:rPr lang="en-US" sz="850" kern="1200" dirty="0">
                           <a:solidFill>
                             <a:schemeClr val="accent1">
                               <a:lumMod val="75000"/>
@@ -9825,26 +9673,13 @@
                           <a:ea typeface="+mn-ea"/>
                           <a:cs typeface="Arial" panose="020B0604020202020204" pitchFamily="34" charset="0"/>
                         </a:rPr>
-                        <a:t>Visualization</a:t>
-                      </a:r>
-                      <a:r>
-                        <a:rPr lang="en-US" sz="850" b="0" kern="1200" dirty="0">
-                          <a:solidFill>
-                            <a:schemeClr val="accent1">
-                              <a:lumMod val="75000"/>
-                            </a:schemeClr>
-                          </a:solidFill>
-                          <a:latin typeface="Arial" panose="020B0604020202020204" pitchFamily="34" charset="0"/>
-                          <a:ea typeface="+mn-ea"/>
-                          <a:cs typeface="Arial" panose="020B0604020202020204" pitchFamily="34" charset="0"/>
-                        </a:rPr>
-                        <a:t>: Use charts, graphs, or infographics to make patterns and trends easily understandable.</a:t>
+                        <a:t>Visualization: Use charts, graphs, or infographics to make patterns and trends easily understandable.</a:t>
                       </a:r>
                     </a:p>
                     <a:p>
                       <a:pPr marL="0" algn="l" defTabSz="914400" rtl="0" eaLnBrk="1" latinLnBrk="0" hangingPunct="1"/>
                       <a:r>
-                        <a:rPr lang="en-US" sz="850" b="1" kern="1200" dirty="0">
+                        <a:rPr lang="en-US" sz="850" kern="1200" dirty="0">
                           <a:solidFill>
                             <a:schemeClr val="accent1">
                               <a:lumMod val="75000"/>
@@ -9854,25 +9689,12 @@
                           <a:ea typeface="+mn-ea"/>
                           <a:cs typeface="Arial" panose="020B0604020202020204" pitchFamily="34" charset="0"/>
                         </a:rPr>
-                        <a:t>Actionable Insights</a:t>
-                      </a:r>
-                      <a:r>
-                        <a:rPr lang="en-US" sz="850" b="0" kern="1200" dirty="0">
-                          <a:solidFill>
-                            <a:schemeClr val="accent1">
-                              <a:lumMod val="75000"/>
-                            </a:schemeClr>
-                          </a:solidFill>
-                          <a:latin typeface="Arial" panose="020B0604020202020204" pitchFamily="34" charset="0"/>
-                          <a:ea typeface="+mn-ea"/>
-                          <a:cs typeface="Arial" panose="020B0604020202020204" pitchFamily="34" charset="0"/>
-                        </a:rPr>
-                        <a:t>: Highlight findings that suggest clear next steps or decisions.</a:t>
+                        <a:t>Actionable Insights: Highlight findings that suggest clear next steps or decisions.</a:t>
                       </a:r>
                     </a:p>
                     <a:p>
                       <a:pPr marL="0" algn="l" defTabSz="914400" rtl="0" eaLnBrk="1" latinLnBrk="0" hangingPunct="1"/>
-                      <a:endParaRPr lang="en-US" sz="850" b="0" kern="1200" dirty="0">
+                      <a:endParaRPr lang="en-US" sz="850" kern="1200" dirty="0">
                         <a:solidFill>
                           <a:schemeClr val="accent1">
                             <a:lumMod val="75000"/>
@@ -9885,58 +9707,47 @@
                     </a:p>
                     <a:p>
                       <a:r>
-                        <a:rPr lang="en-US" sz="900" b="1" dirty="0">
+                        <a:rPr lang="en-US" sz="850" kern="1200" dirty="0">
                           <a:solidFill>
                             <a:schemeClr val="accent1">
                               <a:lumMod val="75000"/>
                             </a:schemeClr>
                           </a:solidFill>
+                          <a:latin typeface="Arial" panose="020B0604020202020204" pitchFamily="34" charset="0"/>
+                          <a:ea typeface="+mn-ea"/>
+                          <a:cs typeface="Arial" panose="020B0604020202020204" pitchFamily="34" charset="0"/>
                         </a:rPr>
                         <a:t>Effective Communication:</a:t>
                       </a:r>
                     </a:p>
                     <a:p>
                       <a:r>
-                        <a:rPr lang="en-US" sz="900" b="1" dirty="0">
+                        <a:rPr lang="en-US" sz="850" kern="1200" dirty="0">
                           <a:solidFill>
                             <a:schemeClr val="accent1">
                               <a:lumMod val="75000"/>
                             </a:schemeClr>
                           </a:solidFill>
+                          <a:latin typeface="Arial" panose="020B0604020202020204" pitchFamily="34" charset="0"/>
+                          <a:ea typeface="+mn-ea"/>
+                          <a:cs typeface="Arial" panose="020B0604020202020204" pitchFamily="34" charset="0"/>
                         </a:rPr>
-                        <a:t>Use Visuals</a:t>
-                      </a:r>
-                      <a:r>
-                        <a:rPr lang="en-US" sz="900" dirty="0">
-                          <a:solidFill>
-                            <a:schemeClr val="accent1">
-                              <a:lumMod val="75000"/>
-                            </a:schemeClr>
-                          </a:solidFill>
-                        </a:rPr>
-                        <a:t>: Include bar graphs for accuracy comparison, heatmaps for confusion matrices, and time-series plots for activity trends.</a:t>
+                        <a:t>Use Visuals: Include bar graphs for accuracy comparison, heatmaps for confusion matrices, and time-series plots for activity trends.</a:t>
                       </a:r>
                     </a:p>
                     <a:p>
                       <a:r>
-                        <a:rPr lang="en-US" sz="900" b="1" dirty="0">
+                        <a:rPr lang="en-US" sz="850" kern="1200" dirty="0">
                           <a:solidFill>
                             <a:schemeClr val="accent1">
                               <a:lumMod val="75000"/>
                             </a:schemeClr>
                           </a:solidFill>
+                          <a:latin typeface="Arial" panose="020B0604020202020204" pitchFamily="34" charset="0"/>
+                          <a:ea typeface="+mn-ea"/>
+                          <a:cs typeface="Arial" panose="020B0604020202020204" pitchFamily="34" charset="0"/>
                         </a:rPr>
-                        <a:t>Storytelling</a:t>
-                      </a:r>
-                      <a:r>
-                        <a:rPr lang="en-US" sz="900" dirty="0">
-                          <a:solidFill>
-                            <a:schemeClr val="accent1">
-                              <a:lumMod val="75000"/>
-                            </a:schemeClr>
-                          </a:solidFill>
-                        </a:rPr>
-                        <a:t>: Narrate insights through relatable examples, such as how detecting prolonged inactivity helps improve user health.</a:t>
+                        <a:t>Storytelling: Narrate insights through relatable examples, such as how detecting prolonged inactivity helps improve user health.</a:t>
                       </a:r>
                     </a:p>
                   </a:txBody>
@@ -10011,134 +9822,112 @@
                       </a:endParaRPr>
                     </a:p>
                     <a:p>
+                      <a:pPr marL="0" algn="l" defTabSz="914400" rtl="0" eaLnBrk="1" latinLnBrk="0" hangingPunct="1"/>
                       <a:r>
-                        <a:rPr lang="en-US" sz="850" b="1" dirty="0">
+                        <a:rPr lang="en-US" sz="850" kern="1200" dirty="0">
                           <a:solidFill>
                             <a:schemeClr val="accent1">
                               <a:lumMod val="75000"/>
                             </a:schemeClr>
                           </a:solidFill>
+                          <a:latin typeface="Arial" panose="020B0604020202020204" pitchFamily="34" charset="0"/>
+                          <a:ea typeface="+mn-ea"/>
+                          <a:cs typeface="Arial" panose="020B0604020202020204" pitchFamily="34" charset="0"/>
                         </a:rPr>
-                        <a:t>Sensor Data</a:t>
+                        <a:t>Sensor Data: Accelerometer, gyroscope, heart rate, and GPS data for activity patterns.</a:t>
                       </a:r>
+                    </a:p>
+                    <a:p>
+                      <a:pPr marL="0" algn="l" defTabSz="914400" rtl="0" eaLnBrk="1" latinLnBrk="0" hangingPunct="1"/>
                       <a:r>
-                        <a:rPr lang="en-US" sz="850" dirty="0">
+                        <a:rPr lang="en-US" sz="850" kern="1200" dirty="0">
                           <a:solidFill>
                             <a:schemeClr val="accent1">
                               <a:lumMod val="75000"/>
                             </a:schemeClr>
                           </a:solidFill>
+                          <a:latin typeface="Arial" panose="020B0604020202020204" pitchFamily="34" charset="0"/>
+                          <a:ea typeface="+mn-ea"/>
+                          <a:cs typeface="Arial" panose="020B0604020202020204" pitchFamily="34" charset="0"/>
                         </a:rPr>
-                        <a:t>: Accelerometer, gyroscope, heart rate, and GPS data for activity patterns.</a:t>
+                        <a:t>Timestamps: Essential for sequence tracking and time-series analysis.</a:t>
                       </a:r>
                     </a:p>
                     <a:p>
-                      <a:r>
-                        <a:rPr lang="en-US" sz="850" b="1" dirty="0">
-                          <a:solidFill>
-                            <a:schemeClr val="accent1">
-                              <a:lumMod val="75000"/>
-                            </a:schemeClr>
-                          </a:solidFill>
-                        </a:rPr>
-                        <a:t>Timestamps</a:t>
-                      </a:r>
-                      <a:r>
-                        <a:rPr lang="en-US" sz="850" dirty="0">
-                          <a:solidFill>
-                            <a:schemeClr val="accent1">
-                              <a:lumMod val="75000"/>
-                            </a:schemeClr>
-                          </a:solidFill>
-                        </a:rPr>
-                        <a:t>: Essential for sequence tracking and time-series analysis.</a:t>
-                      </a:r>
-                    </a:p>
-                    <a:p>
-                      <a:endParaRPr lang="en-US" sz="850" dirty="0">
+                      <a:pPr marL="0" algn="l" defTabSz="914400" rtl="0" eaLnBrk="1" latinLnBrk="0" hangingPunct="1"/>
+                      <a:endParaRPr lang="en-US" sz="850" kern="1200" dirty="0">
                         <a:solidFill>
                           <a:schemeClr val="accent1">
                             <a:lumMod val="75000"/>
                           </a:schemeClr>
                         </a:solidFill>
+                        <a:latin typeface="Arial" panose="020B0604020202020204" pitchFamily="34" charset="0"/>
+                        <a:ea typeface="+mn-ea"/>
+                        <a:cs typeface="Arial" panose="020B0604020202020204" pitchFamily="34" charset="0"/>
                       </a:endParaRPr>
                     </a:p>
                     <a:p>
+                      <a:pPr marL="0" algn="l" defTabSz="914400" rtl="0" eaLnBrk="1" latinLnBrk="0" hangingPunct="1"/>
                       <a:r>
-                        <a:rPr lang="en-US" sz="850" b="1" dirty="0">
+                        <a:rPr lang="en-US" sz="850" kern="1200" dirty="0">
                           <a:solidFill>
                             <a:schemeClr val="accent1">
                               <a:lumMod val="75000"/>
                             </a:schemeClr>
                           </a:solidFill>
+                          <a:latin typeface="Arial" panose="020B0604020202020204" pitchFamily="34" charset="0"/>
+                          <a:ea typeface="+mn-ea"/>
+                          <a:cs typeface="Arial" panose="020B0604020202020204" pitchFamily="34" charset="0"/>
                         </a:rPr>
                         <a:t>Data Cleaning Requirements:</a:t>
                       </a:r>
                     </a:p>
                     <a:p>
+                      <a:pPr marL="0" algn="l" defTabSz="914400" rtl="0" eaLnBrk="1" latinLnBrk="0" hangingPunct="1"/>
                       <a:r>
-                        <a:rPr lang="en-US" sz="850" b="1" dirty="0">
+                        <a:rPr lang="en-US" sz="850" kern="1200" dirty="0">
                           <a:solidFill>
                             <a:schemeClr val="accent1">
                               <a:lumMod val="75000"/>
                             </a:schemeClr>
                           </a:solidFill>
+                          <a:latin typeface="Arial" panose="020B0604020202020204" pitchFamily="34" charset="0"/>
+                          <a:ea typeface="+mn-ea"/>
+                          <a:cs typeface="Arial" panose="020B0604020202020204" pitchFamily="34" charset="0"/>
                         </a:rPr>
-                        <a:t>Handle Missing Data</a:t>
+                        <a:t>Handle Missing Data: Impute or remove incomplete sensor readings.</a:t>
                       </a:r>
+                    </a:p>
+                    <a:p>
+                      <a:pPr marL="0" algn="l" defTabSz="914400" rtl="0" eaLnBrk="1" latinLnBrk="0" hangingPunct="1"/>
                       <a:r>
-                        <a:rPr lang="en-US" sz="850" dirty="0">
+                        <a:rPr lang="en-US" sz="850" kern="1200" dirty="0">
                           <a:solidFill>
                             <a:schemeClr val="accent1">
                               <a:lumMod val="75000"/>
                             </a:schemeClr>
                           </a:solidFill>
+                          <a:latin typeface="Arial" panose="020B0604020202020204" pitchFamily="34" charset="0"/>
+                          <a:ea typeface="+mn-ea"/>
+                          <a:cs typeface="Arial" panose="020B0604020202020204" pitchFamily="34" charset="0"/>
                         </a:rPr>
-                        <a:t>: Impute or remove incomplete sensor readings.</a:t>
+                        <a:t>Remove Noise: Filter out irrelevant signals or environmental artifacts.</a:t>
                       </a:r>
                     </a:p>
                     <a:p>
+                      <a:pPr marL="0" algn="l" defTabSz="914400" rtl="0" eaLnBrk="1" latinLnBrk="0" hangingPunct="1"/>
                       <a:r>
-                        <a:rPr lang="en-US" sz="850" b="1" dirty="0">
+                        <a:rPr lang="en-US" sz="850" kern="1200" dirty="0">
                           <a:solidFill>
                             <a:schemeClr val="accent1">
                               <a:lumMod val="75000"/>
                             </a:schemeClr>
                           </a:solidFill>
+                          <a:latin typeface="Arial" panose="020B0604020202020204" pitchFamily="34" charset="0"/>
+                          <a:ea typeface="+mn-ea"/>
+                          <a:cs typeface="Arial" panose="020B0604020202020204" pitchFamily="34" charset="0"/>
                         </a:rPr>
-                        <a:t>Remove Noise</a:t>
-                      </a:r>
-                      <a:r>
-                        <a:rPr lang="en-US" sz="850" dirty="0">
-                          <a:solidFill>
-                            <a:schemeClr val="accent1">
-                              <a:lumMod val="75000"/>
-                            </a:schemeClr>
-                          </a:solidFill>
-                        </a:rPr>
-                        <a:t>: Filter out irrelevant signals or environmental artifacts.</a:t>
-                      </a:r>
-                    </a:p>
-                    <a:p>
-                      <a:r>
-                        <a:rPr lang="en-US" sz="850" b="1" dirty="0">
-                          <a:solidFill>
-                            <a:schemeClr val="accent1">
-                              <a:lumMod val="75000"/>
-                            </a:schemeClr>
-                          </a:solidFill>
-                        </a:rPr>
-                        <a:t>Outlier Detection</a:t>
-                      </a:r>
-                      <a:r>
-                        <a:rPr lang="en-US" sz="850" dirty="0">
-                          <a:solidFill>
-                            <a:schemeClr val="accent1">
-                              <a:lumMod val="75000"/>
-                            </a:schemeClr>
-                          </a:solidFill>
-                        </a:rPr>
-                        <a:t>: Identify and address anomalies (e.g., sudden spikes in sensor values).</a:t>
+                        <a:t>Outlier Detection: Identify and address anomalies (e.g., sudden spikes in sensor values).</a:t>
                       </a:r>
                     </a:p>
                   </a:txBody>
@@ -10208,99 +9997,74 @@
                     </a:p>
                     <a:p>
                       <a:r>
-                        <a:rPr lang="en-US" sz="850" b="1" dirty="0">
+                        <a:rPr lang="en-US" sz="850" kern="1200" dirty="0">
                           <a:solidFill>
                             <a:schemeClr val="accent1">
                               <a:lumMod val="75000"/>
                             </a:schemeClr>
                           </a:solidFill>
+                          <a:latin typeface="Arial" panose="020B0604020202020204" pitchFamily="34" charset="0"/>
+                          <a:ea typeface="+mn-ea"/>
+                          <a:cs typeface="Arial" panose="020B0604020202020204" pitchFamily="34" charset="0"/>
                         </a:rPr>
-                        <a:t>Wearable Devices</a:t>
-                      </a:r>
-                      <a:r>
-                        <a:rPr lang="en-US" sz="850" dirty="0">
-                          <a:solidFill>
-                            <a:schemeClr val="accent1">
-                              <a:lumMod val="75000"/>
-                            </a:schemeClr>
-                          </a:solidFill>
-                        </a:rPr>
-                        <a:t>: Use fitness trackers or IoT devices to capture continuous activity data.</a:t>
+                        <a:t>Wearable Devices: Use fitness trackers or IoT devices to capture continuous activity data.</a:t>
                       </a:r>
                     </a:p>
                     <a:p>
                       <a:r>
-                        <a:rPr lang="en-US" sz="850" b="1" dirty="0">
+                        <a:rPr lang="en-US" sz="850" kern="1200" dirty="0">
                           <a:solidFill>
                             <a:schemeClr val="accent1">
                               <a:lumMod val="75000"/>
                             </a:schemeClr>
                           </a:solidFill>
+                          <a:latin typeface="Arial" panose="020B0604020202020204" pitchFamily="34" charset="0"/>
+                          <a:ea typeface="+mn-ea"/>
+                          <a:cs typeface="Arial" panose="020B0604020202020204" pitchFamily="34" charset="0"/>
                         </a:rPr>
-                        <a:t>Surveys or Logs</a:t>
-                      </a:r>
-                      <a:r>
-                        <a:rPr lang="en-US" sz="850" dirty="0">
-                          <a:solidFill>
-                            <a:schemeClr val="accent1">
-                              <a:lumMod val="75000"/>
-                            </a:schemeClr>
-                          </a:solidFill>
-                        </a:rPr>
-                        <a:t>: Gather self-reported activity labels to complement sensor data.</a:t>
+                        <a:t>Surveys or Logs: Gather self-reported activity labels to complement sensor data.</a:t>
                       </a:r>
                     </a:p>
                     <a:p>
                       <a:r>
-                        <a:rPr lang="en-US" sz="850" b="1" dirty="0">
+                        <a:rPr lang="en-US" sz="850" kern="1200" dirty="0">
                           <a:solidFill>
                             <a:schemeClr val="accent1">
                               <a:lumMod val="75000"/>
                             </a:schemeClr>
                           </a:solidFill>
+                          <a:latin typeface="Arial" panose="020B0604020202020204" pitchFamily="34" charset="0"/>
+                          <a:ea typeface="+mn-ea"/>
+                          <a:cs typeface="Arial" panose="020B0604020202020204" pitchFamily="34" charset="0"/>
                         </a:rPr>
-                        <a:t>Simulated Activities</a:t>
-                      </a:r>
-                      <a:r>
-                        <a:rPr lang="en-US" sz="850" dirty="0">
-                          <a:solidFill>
-                            <a:schemeClr val="accent1">
-                              <a:lumMod val="75000"/>
-                            </a:schemeClr>
-                          </a:solidFill>
-                        </a:rPr>
-                        <a:t>: Record controlled activity sessions to ensure labeled data diversity.</a:t>
+                        <a:t>Simulated Activities: Record controlled activity sessions to ensure labeled data diversity.</a:t>
                       </a:r>
                     </a:p>
                     <a:p>
-                      <a:endParaRPr lang="en-US" sz="850" dirty="0">
+                      <a:endParaRPr lang="en-US" sz="850" kern="1200" dirty="0">
                         <a:solidFill>
                           <a:schemeClr val="accent1">
                             <a:lumMod val="75000"/>
                           </a:schemeClr>
                         </a:solidFill>
+                        <a:latin typeface="Arial" panose="020B0604020202020204" pitchFamily="34" charset="0"/>
+                        <a:ea typeface="+mn-ea"/>
+                        <a:cs typeface="Arial" panose="020B0604020202020204" pitchFamily="34" charset="0"/>
                       </a:endParaRPr>
                     </a:p>
                     <a:p>
                       <a:r>
-                        <a:rPr lang="en-US" sz="900" b="1" dirty="0">
+                        <a:rPr lang="en-US" sz="850" kern="1200" dirty="0">
                           <a:solidFill>
                             <a:schemeClr val="accent1">
                               <a:lumMod val="75000"/>
                             </a:schemeClr>
                           </a:solidFill>
+                          <a:latin typeface="Arial" panose="020B0604020202020204" pitchFamily="34" charset="0"/>
+                          <a:ea typeface="+mn-ea"/>
+                          <a:cs typeface="Arial" panose="020B0604020202020204" pitchFamily="34" charset="0"/>
                         </a:rPr>
-                        <a:t>Required Properties: </a:t>
-                      </a:r>
-                      <a:r>
-                        <a:rPr lang="en-US" sz="900" b="0" dirty="0">
-                          <a:solidFill>
-                            <a:schemeClr val="accent1">
-                              <a:lumMod val="75000"/>
-                            </a:schemeClr>
-                          </a:solidFill>
-                        </a:rPr>
-                        <a:t>Accuracy, Consistency, Diversity, Completeness, Privacy Compliance</a:t>
+                        <a:t>Required Properties: Accuracy, Consistency, Diversity, Completeness, Privacy Compliance</a:t>
                       </a:r>
                     </a:p>
                   </a:txBody>
@@ -10352,7 +10116,7 @@
                   </a:ext>
                 </a:extLst>
               </a:tr>
-              <a:tr h="2798200">
+              <a:tr h="1514369">
                 <a:tc>
                   <a:txBody>
                     <a:bodyPr/>
@@ -10527,7 +10291,7 @@
                         <a:t>Python with libraries such as Scikit-learn, Pandas, and NumPy for data processing and model development.</a:t>
                       </a:r>
                       <a:r>
-                        <a:rPr lang="en-SG" sz="1000" kern="1200" dirty="0">
+                        <a:rPr lang="en-SG" sz="850" kern="1200" dirty="0">
                           <a:solidFill>
                             <a:schemeClr val="accent1">
                               <a:lumMod val="75000"/>
@@ -10537,20 +10301,7 @@
                           <a:ea typeface="+mn-ea"/>
                           <a:cs typeface="Arial" panose="020B0604020202020204" pitchFamily="34" charset="0"/>
                         </a:rPr>
-                        <a:t> </a:t>
-                      </a:r>
-                      <a:r>
-                        <a:rPr lang="en-SG" sz="850" kern="1200" dirty="0">
-                          <a:solidFill>
-                            <a:schemeClr val="accent1">
-                              <a:lumMod val="75000"/>
-                            </a:schemeClr>
-                          </a:solidFill>
-                          <a:latin typeface="Arial" panose="020B0604020202020204" pitchFamily="34" charset="0"/>
-                          <a:ea typeface="+mn-ea"/>
-                          <a:cs typeface="Arial" panose="020B0604020202020204" pitchFamily="34" charset="0"/>
-                        </a:rPr>
-                        <a:t>For visualization and data analysis, libraries like matplotlib and seaborn is required. To train deep learning models like LSTM and GRU, </a:t>
+                        <a:t> For visualization and data analysis, libraries like matplotlib and seaborn is required. To train deep learning models like LSTM and GRU, </a:t>
                       </a:r>
                       <a:r>
                         <a:rPr lang="en-SG" sz="850" kern="1200" dirty="0" err="1">
@@ -10699,7 +10450,7 @@
                     <a:p>
                       <a:pPr marL="0" algn="l" defTabSz="914400" rtl="0" eaLnBrk="1" latinLnBrk="0" hangingPunct="1"/>
                       <a:r>
-                        <a:rPr lang="en-US" sz="900" b="0" kern="1200" dirty="0">
+                        <a:rPr lang="en-US" sz="850" kern="1200" dirty="0">
                           <a:solidFill>
                             <a:schemeClr val="accent1">
                               <a:lumMod val="75000"/>
@@ -10711,7 +10462,7 @@
                         </a:rPr>
                         <a:t>The integration of data was carried out locally using Python on a standalone system.</a:t>
                       </a:r>
-                      <a:endParaRPr lang="en-SG" sz="900" b="0" kern="1200" dirty="0">
+                      <a:endParaRPr lang="en-SG" sz="850" kern="1200" dirty="0">
                         <a:solidFill>
                           <a:schemeClr val="accent1">
                             <a:lumMod val="75000"/>
@@ -10789,13 +10540,14 @@
                     </a:p>
                     <a:p>
                       <a:r>
-                        <a:rPr lang="en-SG" sz="1000" dirty="0">
+                        <a:rPr lang="en-SG" sz="850" kern="1200" dirty="0">
                           <a:solidFill>
                             <a:schemeClr val="accent1">
                               <a:lumMod val="75000"/>
                             </a:schemeClr>
                           </a:solidFill>
                           <a:latin typeface="Arial" panose="020B0604020202020204" pitchFamily="34" charset="0"/>
+                          <a:ea typeface="+mn-ea"/>
                           <a:cs typeface="Arial" panose="020B0604020202020204" pitchFamily="34" charset="0"/>
                         </a:rPr>
                         <a:t>Found no outliers in the data.</a:t>
@@ -10803,13 +10555,14 @@
                     </a:p>
                     <a:p>
                       <a:r>
-                        <a:rPr lang="en-SG" sz="1000" dirty="0">
+                        <a:rPr lang="en-SG" sz="850" kern="1200" dirty="0">
                           <a:solidFill>
                             <a:schemeClr val="accent1">
                               <a:lumMod val="75000"/>
                             </a:schemeClr>
                           </a:solidFill>
                           <a:latin typeface="Arial" panose="020B0604020202020204" pitchFamily="34" charset="0"/>
+                          <a:ea typeface="+mn-ea"/>
                           <a:cs typeface="Arial" panose="020B0604020202020204" pitchFamily="34" charset="0"/>
                         </a:rPr>
                         <a:t>Descriptive Key figures include: Mean, Standard Deviation, Correlation, Activity duration, Distribution, Missing Data percentage etc.</a:t>
@@ -11931,31 +11684,6 @@
                 <a:schemeClr val="bg1"/>
               </a:solidFill>
             </a:endParaRPr>
-          </a:p>
-        </p:txBody>
-      </p:sp>
-      <p:sp>
-        <p:nvSpPr>
-          <p:cNvPr id="4" name="Text Placeholder 3">
-            <a:extLst>
-              <a:ext uri="{FF2B5EF4-FFF2-40B4-BE49-F238E27FC236}">
-                <a16:creationId xmlns:a16="http://schemas.microsoft.com/office/drawing/2014/main" id="{74E59F06-D603-2298-2797-679A4542F099}"/>
-              </a:ext>
-            </a:extLst>
-          </p:cNvPr>
-          <p:cNvSpPr>
-            <a:spLocks noGrp="1"/>
-          </p:cNvSpPr>
-          <p:nvPr>
-            <p:ph type="body" sz="half" idx="2"/>
-          </p:nvPr>
-        </p:nvSpPr>
-        <p:spPr/>
-        <p:txBody>
-          <a:bodyPr/>
-          <a:lstStyle/>
-          <a:p>
-            <a:endParaRPr lang="en-IO"/>
           </a:p>
         </p:txBody>
       </p:sp>
@@ -20834,15 +20562,6 @@
 </file>
 
 <file path=customXml/item1.xml><?xml version="1.0" encoding="utf-8"?>
-<?mso-contentType ?>
-<FormTemplates xmlns="http://schemas.microsoft.com/sharepoint/v3/contenttype/forms">
-  <Display>DocumentLibraryForm</Display>
-  <Edit>DocumentLibraryForm</Edit>
-  <New>DocumentLibraryForm</New>
-</FormTemplates>
-</file>
-
-<file path=customXml/item2.xml><?xml version="1.0" encoding="utf-8"?>
 <ct:contentTypeSchema xmlns:ct="http://schemas.microsoft.com/office/2006/metadata/contentType" xmlns:ma="http://schemas.microsoft.com/office/2006/metadata/properties/metaAttributes" ct:_="" ma:_="" ma:contentTypeName="Document" ma:contentTypeID="0x0101003B83135591EE7B4E9CE8953A9769B5AA" ma:contentTypeVersion="12" ma:contentTypeDescription="Create a new document." ma:contentTypeScope="" ma:versionID="afb94ed0df6a5bee95e9e8580897838e">
   <xsd:schema xmlns:xsd="http://www.w3.org/2001/XMLSchema" xmlns:xs="http://www.w3.org/2001/XMLSchema" xmlns:p="http://schemas.microsoft.com/office/2006/metadata/properties" xmlns:ns2="b7c451f6-4087-4943-817c-671de9753aab" xmlns:ns3="74614dcc-efbe-4eda-b10f-2861d891d30c" targetNamespace="http://schemas.microsoft.com/office/2006/metadata/properties" ma:root="true" ma:fieldsID="4255e306cc058a65fd4c867a9bd11979" ns2:_="" ns3:_="">
     <xsd:import namespace="b7c451f6-4087-4943-817c-671de9753aab"/>
@@ -21043,15 +20762,16 @@
 </ct:contentTypeSchema>
 </file>
 
-<file path=customXml/itemProps1.xml><?xml version="1.0" encoding="utf-8"?>
-<ds:datastoreItem xmlns:ds="http://schemas.openxmlformats.org/officeDocument/2006/customXml" ds:itemID="{1F114682-BC25-4105-89B6-5A10279B5AF2}">
-  <ds:schemaRefs>
-    <ds:schemaRef ds:uri="http://schemas.microsoft.com/sharepoint/v3/contenttype/forms"/>
-  </ds:schemaRefs>
-</ds:datastoreItem>
+<file path=customXml/item2.xml><?xml version="1.0" encoding="utf-8"?>
+<?mso-contentType ?>
+<FormTemplates xmlns="http://schemas.microsoft.com/sharepoint/v3/contenttype/forms">
+  <Display>DocumentLibraryForm</Display>
+  <Edit>DocumentLibraryForm</Edit>
+  <New>DocumentLibraryForm</New>
+</FormTemplates>
 </file>
 
-<file path=customXml/itemProps2.xml><?xml version="1.0" encoding="utf-8"?>
+<file path=customXml/itemProps1.xml><?xml version="1.0" encoding="utf-8"?>
 <ds:datastoreItem xmlns:ds="http://schemas.openxmlformats.org/officeDocument/2006/customXml" ds:itemID="{3EFFC100-CD6E-40CC-858F-9DDB4630395F}">
   <ds:schemaRefs>
     <ds:schemaRef ds:uri="http://schemas.microsoft.com/office/2006/metadata/contentType"/>
@@ -21068,4 +20788,12 @@
     <ds:schemaRef ds:uri="http://schemas.microsoft.com/internal/obd"/>
   </ds:schemaRefs>
 </ds:datastoreItem>
+</file>
+
+<file path=customXml/itemProps2.xml><?xml version="1.0" encoding="utf-8"?>
+<ds:datastoreItem xmlns:ds="http://schemas.openxmlformats.org/officeDocument/2006/customXml" ds:itemID="{1F114682-BC25-4105-89B6-5A10279B5AF2}">
+  <ds:schemaRefs>
+    <ds:schemaRef ds:uri="http://schemas.microsoft.com/sharepoint/v3/contenttype/forms"/>
+  </ds:schemaRefs>
+</ds:datastoreItem>
 </file>